--- a/3220-Operating_Systems/pr4/presentation/slide.pptx
+++ b/3220-Operating_Systems/pr4/presentation/slide.pptx
@@ -104,6 +104,11 @@
       </a:defRPr>
     </a:lvl9pPr>
   </p:defaultTextStyle>
+  <p:extLst>
+    <p:ext uri="{EFAFB233-063F-42B5-8137-9DF3F51BA10A}">
+      <p15:sldGuideLst xmlns:p15="http://schemas.microsoft.com/office/powerpoint/2012/main"/>
+    </p:ext>
+  </p:extLst>
 </p:presentation>
 </file>
 
@@ -246,7 +251,7 @@
           <a:p>
             <a:fld id="{48A87A34-81AB-432B-8DAE-1953F412C126}" type="datetimeFigureOut">
               <a:rPr lang="en-US" dirty="0"/>
-              <a:t>11/28/2018</a:t>
+              <a:t>11/29/2018</a:t>
             </a:fld>
             <a:endParaRPr lang="en-US" dirty="0"/>
           </a:p>
@@ -452,7 +457,7 @@
           <a:p>
             <a:fld id="{48A87A34-81AB-432B-8DAE-1953F412C126}" type="datetimeFigureOut">
               <a:rPr lang="en-US" dirty="0"/>
-              <a:t>11/28/2018</a:t>
+              <a:t>11/29/2018</a:t>
             </a:fld>
             <a:endParaRPr lang="en-US" dirty="0"/>
           </a:p>
@@ -662,7 +667,7 @@
           <a:p>
             <a:fld id="{48A87A34-81AB-432B-8DAE-1953F412C126}" type="datetimeFigureOut">
               <a:rPr lang="en-US" dirty="0"/>
-              <a:t>11/28/2018</a:t>
+              <a:t>11/29/2018</a:t>
             </a:fld>
             <a:endParaRPr lang="en-US" dirty="0"/>
           </a:p>
@@ -858,7 +863,7 @@
           <a:p>
             <a:fld id="{48A87A34-81AB-432B-8DAE-1953F412C126}" type="datetimeFigureOut">
               <a:rPr lang="en-US" dirty="0"/>
-              <a:t>11/28/2018</a:t>
+              <a:t>11/29/2018</a:t>
             </a:fld>
             <a:endParaRPr lang="en-US" dirty="0"/>
           </a:p>
@@ -1132,7 +1137,7 @@
           <a:p>
             <a:fld id="{48A87A34-81AB-432B-8DAE-1953F412C126}" type="datetimeFigureOut">
               <a:rPr lang="en-US" dirty="0"/>
-              <a:t>11/28/2018</a:t>
+              <a:t>11/29/2018</a:t>
             </a:fld>
             <a:endParaRPr lang="en-US" dirty="0"/>
           </a:p>
@@ -1395,7 +1400,7 @@
           <a:p>
             <a:fld id="{48A87A34-81AB-432B-8DAE-1953F412C126}" type="datetimeFigureOut">
               <a:rPr lang="en-US" dirty="0"/>
-              <a:t>11/28/2018</a:t>
+              <a:t>11/29/2018</a:t>
             </a:fld>
             <a:endParaRPr lang="en-US" dirty="0"/>
           </a:p>
@@ -1806,7 +1811,7 @@
           <a:p>
             <a:fld id="{48A87A34-81AB-432B-8DAE-1953F412C126}" type="datetimeFigureOut">
               <a:rPr lang="en-US" dirty="0"/>
-              <a:t>11/28/2018</a:t>
+              <a:t>11/29/2018</a:t>
             </a:fld>
             <a:endParaRPr lang="en-US" dirty="0"/>
           </a:p>
@@ -1950,7 +1955,7 @@
           <a:p>
             <a:fld id="{48A87A34-81AB-432B-8DAE-1953F412C126}" type="datetimeFigureOut">
               <a:rPr lang="en-US" dirty="0"/>
-              <a:t>11/28/2018</a:t>
+              <a:t>11/29/2018</a:t>
             </a:fld>
             <a:endParaRPr lang="en-US" dirty="0"/>
           </a:p>
@@ -2071,7 +2076,7 @@
           <a:p>
             <a:fld id="{48A87A34-81AB-432B-8DAE-1953F412C126}" type="datetimeFigureOut">
               <a:rPr lang="en-US" dirty="0"/>
-              <a:t>11/28/2018</a:t>
+              <a:t>11/29/2018</a:t>
             </a:fld>
             <a:endParaRPr lang="en-US" dirty="0"/>
           </a:p>
@@ -2317,7 +2322,7 @@
           <a:p>
             <a:fld id="{48A87A34-81AB-432B-8DAE-1953F412C126}" type="datetimeFigureOut">
               <a:rPr lang="en-US" dirty="0"/>
-              <a:t>11/28/2018</a:t>
+              <a:t>11/29/2018</a:t>
             </a:fld>
             <a:endParaRPr lang="en-US" dirty="0"/>
           </a:p>
@@ -2758,7 +2763,7 @@
             <a:fld id="{48A87A34-81AB-432B-8DAE-1953F412C126}" type="datetimeFigureOut">
               <a:rPr lang="en-US" dirty="0"/>
               <a:pPr/>
-              <a:t>11/28/2018</a:t>
+              <a:t>11/29/2018</a:t>
             </a:fld>
             <a:endParaRPr lang="en-US" dirty="0"/>
           </a:p>
@@ -3080,7 +3085,7 @@
             <a:fld id="{48A87A34-81AB-432B-8DAE-1953F412C126}" type="datetimeFigureOut">
               <a:rPr lang="en-US" dirty="0"/>
               <a:pPr/>
-              <a:t>11/28/2018</a:t>
+              <a:t>11/29/2018</a:t>
             </a:fld>
             <a:endParaRPr lang="en-US" dirty="0"/>
           </a:p>
@@ -3662,7 +3667,14 @@
           <a:p>
             <a:r>
               <a:rPr lang="en-US" sz="1600"/>
-              <a:t>Error detection/correction is important…</a:t>
+              <a:t>Fault Tolerance</a:t>
+            </a:r>
+          </a:p>
+          <a:p>
+            <a:pPr lvl="1"/>
+            <a:r>
+              <a:rPr lang="en-US" sz="1600"/>
+              <a:t>Error detection/correction is important</a:t>
             </a:r>
           </a:p>
           <a:p>
@@ -3682,7 +3694,7 @@
           <a:p>
             <a:r>
               <a:rPr lang="en-US" sz="1600"/>
-              <a:t>Security implications</a:t>
+              <a:t>Security implications?</a:t>
             </a:r>
           </a:p>
         </p:txBody>
